--- a/iteratii/Retrospectiva – Iteratia 1.pptx
+++ b/iteratii/Retrospectiva – Iteratia 1.pptx
@@ -9,6 +9,9 @@
     <p:sldId id="259" r:id="rId3"/>
     <p:sldId id="257" r:id="rId4"/>
     <p:sldId id="258" r:id="rId5"/>
+    <p:sldId id="260" r:id="rId6"/>
+    <p:sldId id="261" r:id="rId7"/>
+    <p:sldId id="262" r:id="rId8"/>
   </p:sldIdLst>
   <p:sldSz cx="12192000" cy="6858000"/>
   <p:notesSz cx="6858000" cy="9144000"/>
@@ -165,7 +168,7 @@
           <a:noFill/>
           <a:extLst>
             <a:ext uri="{909E8E84-426E-40dd-AFC4-6F175D3DCCD1}">
-              <a14:hiddenFill xmlns:a14="http://schemas.microsoft.com/office/drawing/2010/main" xmlns="">
+              <a14:hiddenFill xmlns="" xmlns:a14="http://schemas.microsoft.com/office/drawing/2010/main">
                 <a:solidFill>
                   <a:srgbClr val="FFFFFF"/>
                 </a:solidFill>
@@ -225,7 +228,7 @@
             </a:ln>
             <a:extLst>
               <a:ext uri="{91240B29-F687-4f45-9708-019B960494DF}">
-                <a14:hiddenLine xmlns:a14="http://schemas.microsoft.com/office/drawing/2010/main" xmlns="" w="9525">
+                <a14:hiddenLine xmlns="" xmlns:a14="http://schemas.microsoft.com/office/drawing/2010/main" w="9525">
                   <a:solidFill>
                     <a:srgbClr val="000000"/>
                   </a:solidFill>
@@ -315,7 +318,7 @@
             </a:ln>
             <a:extLst>
               <a:ext uri="{91240B29-F687-4f45-9708-019B960494DF}">
-                <a14:hiddenLine xmlns:a14="http://schemas.microsoft.com/office/drawing/2010/main" xmlns="" w="9525">
+                <a14:hiddenLine xmlns="" xmlns:a14="http://schemas.microsoft.com/office/drawing/2010/main" w="9525">
                   <a:solidFill>
                     <a:srgbClr val="000000"/>
                   </a:solidFill>
@@ -405,7 +408,7 @@
             </a:ln>
             <a:extLst>
               <a:ext uri="{91240B29-F687-4f45-9708-019B960494DF}">
-                <a14:hiddenLine xmlns:a14="http://schemas.microsoft.com/office/drawing/2010/main" xmlns="" w="9525">
+                <a14:hiddenLine xmlns="" xmlns:a14="http://schemas.microsoft.com/office/drawing/2010/main" w="9525">
                   <a:solidFill>
                     <a:srgbClr val="000000"/>
                   </a:solidFill>
@@ -439,7 +442,7 @@
             </a:ln>
             <a:extLst>
               <a:ext uri="{91240B29-F687-4f45-9708-019B960494DF}">
-                <a14:hiddenLine xmlns:a14="http://schemas.microsoft.com/office/drawing/2010/main" xmlns="" w="9525">
+                <a14:hiddenLine xmlns="" xmlns:a14="http://schemas.microsoft.com/office/drawing/2010/main" w="9525">
                   <a:solidFill>
                     <a:srgbClr val="000000"/>
                   </a:solidFill>
@@ -529,7 +532,7 @@
             </a:ln>
             <a:extLst>
               <a:ext uri="{91240B29-F687-4f45-9708-019B960494DF}">
-                <a14:hiddenLine xmlns:a14="http://schemas.microsoft.com/office/drawing/2010/main" xmlns="" w="9525">
+                <a14:hiddenLine xmlns="" xmlns:a14="http://schemas.microsoft.com/office/drawing/2010/main" w="9525">
                   <a:solidFill>
                     <a:srgbClr val="000000"/>
                   </a:solidFill>
@@ -591,7 +594,7 @@
             </a:ln>
             <a:extLst>
               <a:ext uri="{91240B29-F687-4f45-9708-019B960494DF}">
-                <a14:hiddenLine xmlns:a14="http://schemas.microsoft.com/office/drawing/2010/main" xmlns="" w="9525">
+                <a14:hiddenLine xmlns="" xmlns:a14="http://schemas.microsoft.com/office/drawing/2010/main" w="9525">
                   <a:solidFill>
                     <a:srgbClr val="000000"/>
                   </a:solidFill>
@@ -653,7 +656,7 @@
             </a:ln>
             <a:extLst>
               <a:ext uri="{91240B29-F687-4f45-9708-019B960494DF}">
-                <a14:hiddenLine xmlns:a14="http://schemas.microsoft.com/office/drawing/2010/main" xmlns="" w="9525">
+                <a14:hiddenLine xmlns="" xmlns:a14="http://schemas.microsoft.com/office/drawing/2010/main" w="9525">
                   <a:solidFill>
                     <a:srgbClr val="000000"/>
                   </a:solidFill>
@@ -743,7 +746,7 @@
             </a:ln>
             <a:extLst>
               <a:ext uri="{91240B29-F687-4f45-9708-019B960494DF}">
-                <a14:hiddenLine xmlns:a14="http://schemas.microsoft.com/office/drawing/2010/main" xmlns="" w="9525">
+                <a14:hiddenLine xmlns="" xmlns:a14="http://schemas.microsoft.com/office/drawing/2010/main" w="9525">
                   <a:solidFill>
                     <a:srgbClr val="000000"/>
                   </a:solidFill>
@@ -805,7 +808,7 @@
             </a:ln>
             <a:extLst>
               <a:ext uri="{91240B29-F687-4f45-9708-019B960494DF}">
-                <a14:hiddenLine xmlns:a14="http://schemas.microsoft.com/office/drawing/2010/main" xmlns="" w="9525">
+                <a14:hiddenLine xmlns="" xmlns:a14="http://schemas.microsoft.com/office/drawing/2010/main" w="9525">
                   <a:solidFill>
                     <a:srgbClr val="000000"/>
                   </a:solidFill>
@@ -867,7 +870,7 @@
             </a:ln>
             <a:extLst>
               <a:ext uri="{91240B29-F687-4f45-9708-019B960494DF}">
-                <a14:hiddenLine xmlns:a14="http://schemas.microsoft.com/office/drawing/2010/main" xmlns="" w="9525">
+                <a14:hiddenLine xmlns="" xmlns:a14="http://schemas.microsoft.com/office/drawing/2010/main" w="9525">
                   <a:solidFill>
                     <a:srgbClr val="000000"/>
                   </a:solidFill>
@@ -957,7 +960,7 @@
             </a:ln>
             <a:extLst>
               <a:ext uri="{91240B29-F687-4f45-9708-019B960494DF}">
-                <a14:hiddenLine xmlns:a14="http://schemas.microsoft.com/office/drawing/2010/main" xmlns="" w="9525">
+                <a14:hiddenLine xmlns="" xmlns:a14="http://schemas.microsoft.com/office/drawing/2010/main" w="9525">
                   <a:solidFill>
                     <a:srgbClr val="000000"/>
                   </a:solidFill>
@@ -1047,7 +1050,7 @@
             </a:ln>
             <a:extLst>
               <a:ext uri="{91240B29-F687-4f45-9708-019B960494DF}">
-                <a14:hiddenLine xmlns:a14="http://schemas.microsoft.com/office/drawing/2010/main" xmlns="" w="9525">
+                <a14:hiddenLine xmlns="" xmlns:a14="http://schemas.microsoft.com/office/drawing/2010/main" w="9525">
                   <a:solidFill>
                     <a:srgbClr val="000000"/>
                   </a:solidFill>
@@ -1109,7 +1112,7 @@
             </a:ln>
             <a:extLst>
               <a:ext uri="{91240B29-F687-4f45-9708-019B960494DF}">
-                <a14:hiddenLine xmlns:a14="http://schemas.microsoft.com/office/drawing/2010/main" xmlns="" w="9525">
+                <a14:hiddenLine xmlns="" xmlns:a14="http://schemas.microsoft.com/office/drawing/2010/main" w="9525">
                   <a:solidFill>
                     <a:srgbClr val="000000"/>
                   </a:solidFill>
@@ -1219,7 +1222,7 @@
             </a:ln>
             <a:extLst>
               <a:ext uri="{91240B29-F687-4f45-9708-019B960494DF}">
-                <a14:hiddenLine xmlns:a14="http://schemas.microsoft.com/office/drawing/2010/main" xmlns="" w="9525">
+                <a14:hiddenLine xmlns="" xmlns:a14="http://schemas.microsoft.com/office/drawing/2010/main" w="9525">
                   <a:solidFill>
                     <a:srgbClr val="000000"/>
                   </a:solidFill>
@@ -1281,7 +1284,7 @@
             </a:ln>
             <a:extLst>
               <a:ext uri="{91240B29-F687-4f45-9708-019B960494DF}">
-                <a14:hiddenLine xmlns:a14="http://schemas.microsoft.com/office/drawing/2010/main" xmlns="" w="9525">
+                <a14:hiddenLine xmlns="" xmlns:a14="http://schemas.microsoft.com/office/drawing/2010/main" w="9525">
                   <a:solidFill>
                     <a:srgbClr val="000000"/>
                   </a:solidFill>
@@ -1371,7 +1374,7 @@
             </a:ln>
             <a:extLst>
               <a:ext uri="{91240B29-F687-4f45-9708-019B960494DF}">
-                <a14:hiddenLine xmlns:a14="http://schemas.microsoft.com/office/drawing/2010/main" xmlns="" w="9525">
+                <a14:hiddenLine xmlns="" xmlns:a14="http://schemas.microsoft.com/office/drawing/2010/main" w="9525">
                   <a:solidFill>
                     <a:srgbClr val="000000"/>
                   </a:solidFill>
@@ -1461,7 +1464,7 @@
             </a:ln>
             <a:extLst>
               <a:ext uri="{91240B29-F687-4f45-9708-019B960494DF}">
-                <a14:hiddenLine xmlns:a14="http://schemas.microsoft.com/office/drawing/2010/main" xmlns="" w="9525">
+                <a14:hiddenLine xmlns="" xmlns:a14="http://schemas.microsoft.com/office/drawing/2010/main" w="9525">
                   <a:solidFill>
                     <a:srgbClr val="000000"/>
                   </a:solidFill>
@@ -1523,7 +1526,7 @@
             </a:ln>
             <a:extLst>
               <a:ext uri="{91240B29-F687-4f45-9708-019B960494DF}">
-                <a14:hiddenLine xmlns:a14="http://schemas.microsoft.com/office/drawing/2010/main" xmlns="" w="9525">
+                <a14:hiddenLine xmlns="" xmlns:a14="http://schemas.microsoft.com/office/drawing/2010/main" w="9525">
                   <a:solidFill>
                     <a:srgbClr val="000000"/>
                   </a:solidFill>
@@ -1613,7 +1616,7 @@
             </a:ln>
             <a:extLst>
               <a:ext uri="{91240B29-F687-4f45-9708-019B960494DF}">
-                <a14:hiddenLine xmlns:a14="http://schemas.microsoft.com/office/drawing/2010/main" xmlns="" w="9525">
+                <a14:hiddenLine xmlns="" xmlns:a14="http://schemas.microsoft.com/office/drawing/2010/main" w="9525">
                   <a:solidFill>
                     <a:srgbClr val="000000"/>
                   </a:solidFill>
@@ -1703,7 +1706,7 @@
             </a:ln>
             <a:extLst>
               <a:ext uri="{91240B29-F687-4f45-9708-019B960494DF}">
-                <a14:hiddenLine xmlns:a14="http://schemas.microsoft.com/office/drawing/2010/main" xmlns="" w="9525">
+                <a14:hiddenLine xmlns="" xmlns:a14="http://schemas.microsoft.com/office/drawing/2010/main" w="9525">
                   <a:solidFill>
                     <a:srgbClr val="000000"/>
                   </a:solidFill>
@@ -1759,7 +1762,7 @@
             </a:ln>
             <a:extLst>
               <a:ext uri="{91240B29-F687-4f45-9708-019B960494DF}">
-                <a14:hiddenLine xmlns:a14="http://schemas.microsoft.com/office/drawing/2010/main" xmlns="" w="9525">
+                <a14:hiddenLine xmlns="" xmlns:a14="http://schemas.microsoft.com/office/drawing/2010/main" w="9525">
                   <a:solidFill>
                     <a:srgbClr val="000000"/>
                   </a:solidFill>
@@ -1849,7 +1852,7 @@
             </a:ln>
             <a:extLst>
               <a:ext uri="{91240B29-F687-4f45-9708-019B960494DF}">
-                <a14:hiddenLine xmlns:a14="http://schemas.microsoft.com/office/drawing/2010/main" xmlns="" w="9525">
+                <a14:hiddenLine xmlns="" xmlns:a14="http://schemas.microsoft.com/office/drawing/2010/main" w="9525">
                   <a:solidFill>
                     <a:srgbClr val="000000"/>
                   </a:solidFill>
@@ -1905,7 +1908,7 @@
             </a:ln>
             <a:extLst>
               <a:ext uri="{91240B29-F687-4f45-9708-019B960494DF}">
-                <a14:hiddenLine xmlns:a14="http://schemas.microsoft.com/office/drawing/2010/main" xmlns="" w="9525">
+                <a14:hiddenLine xmlns="" xmlns:a14="http://schemas.microsoft.com/office/drawing/2010/main" w="9525">
                   <a:solidFill>
                     <a:srgbClr val="000000"/>
                   </a:solidFill>
@@ -1995,7 +1998,7 @@
             </a:ln>
             <a:extLst>
               <a:ext uri="{91240B29-F687-4f45-9708-019B960494DF}">
-                <a14:hiddenLine xmlns:a14="http://schemas.microsoft.com/office/drawing/2010/main" xmlns="" w="9525">
+                <a14:hiddenLine xmlns="" xmlns:a14="http://schemas.microsoft.com/office/drawing/2010/main" w="9525">
                   <a:solidFill>
                     <a:srgbClr val="000000"/>
                   </a:solidFill>
@@ -2063,7 +2066,7 @@
             </a:ln>
             <a:extLst>
               <a:ext uri="{91240B29-F687-4f45-9708-019B960494DF}">
-                <a14:hiddenLine xmlns:a14="http://schemas.microsoft.com/office/drawing/2010/main" xmlns="" w="9525">
+                <a14:hiddenLine xmlns="" xmlns:a14="http://schemas.microsoft.com/office/drawing/2010/main" w="9525">
                   <a:solidFill>
                     <a:srgbClr val="000000"/>
                   </a:solidFill>
@@ -2153,7 +2156,7 @@
             </a:ln>
             <a:extLst>
               <a:ext uri="{91240B29-F687-4f45-9708-019B960494DF}">
-                <a14:hiddenLine xmlns:a14="http://schemas.microsoft.com/office/drawing/2010/main" xmlns="" w="9525">
+                <a14:hiddenLine xmlns="" xmlns:a14="http://schemas.microsoft.com/office/drawing/2010/main" w="9525">
                   <a:solidFill>
                     <a:srgbClr val="000000"/>
                   </a:solidFill>
@@ -2221,7 +2224,7 @@
             </a:ln>
             <a:extLst>
               <a:ext uri="{91240B29-F687-4f45-9708-019B960494DF}">
-                <a14:hiddenLine xmlns:a14="http://schemas.microsoft.com/office/drawing/2010/main" xmlns="" w="9525">
+                <a14:hiddenLine xmlns="" xmlns:a14="http://schemas.microsoft.com/office/drawing/2010/main" w="9525">
                   <a:solidFill>
                     <a:srgbClr val="000000"/>
                   </a:solidFill>
@@ -2311,7 +2314,7 @@
             </a:ln>
             <a:extLst>
               <a:ext uri="{91240B29-F687-4f45-9708-019B960494DF}">
-                <a14:hiddenLine xmlns:a14="http://schemas.microsoft.com/office/drawing/2010/main" xmlns="" w="9525">
+                <a14:hiddenLine xmlns="" xmlns:a14="http://schemas.microsoft.com/office/drawing/2010/main" w="9525">
                   <a:solidFill>
                     <a:srgbClr val="000000"/>
                   </a:solidFill>
@@ -2345,7 +2348,7 @@
             </a:ln>
             <a:extLst>
               <a:ext uri="{91240B29-F687-4f45-9708-019B960494DF}">
-                <a14:hiddenLine xmlns:a14="http://schemas.microsoft.com/office/drawing/2010/main" xmlns="" w="9525">
+                <a14:hiddenLine xmlns="" xmlns:a14="http://schemas.microsoft.com/office/drawing/2010/main" w="9525">
                   <a:solidFill>
                     <a:srgbClr val="000000"/>
                   </a:solidFill>
@@ -2435,7 +2438,7 @@
             </a:ln>
             <a:extLst>
               <a:ext uri="{91240B29-F687-4f45-9708-019B960494DF}">
-                <a14:hiddenLine xmlns:a14="http://schemas.microsoft.com/office/drawing/2010/main" xmlns="" w="9525">
+                <a14:hiddenLine xmlns="" xmlns:a14="http://schemas.microsoft.com/office/drawing/2010/main" w="9525">
                   <a:solidFill>
                     <a:srgbClr val="000000"/>
                   </a:solidFill>
@@ -2497,7 +2500,7 @@
             </a:ln>
             <a:extLst>
               <a:ext uri="{91240B29-F687-4f45-9708-019B960494DF}">
-                <a14:hiddenLine xmlns:a14="http://schemas.microsoft.com/office/drawing/2010/main" xmlns="" w="9525">
+                <a14:hiddenLine xmlns="" xmlns:a14="http://schemas.microsoft.com/office/drawing/2010/main" w="9525">
                   <a:solidFill>
                     <a:srgbClr val="000000"/>
                   </a:solidFill>
@@ -2559,7 +2562,7 @@
             </a:ln>
             <a:extLst>
               <a:ext uri="{91240B29-F687-4f45-9708-019B960494DF}">
-                <a14:hiddenLine xmlns:a14="http://schemas.microsoft.com/office/drawing/2010/main" xmlns="" w="9525">
+                <a14:hiddenLine xmlns="" xmlns:a14="http://schemas.microsoft.com/office/drawing/2010/main" w="9525">
                   <a:solidFill>
                     <a:srgbClr val="000000"/>
                   </a:solidFill>
@@ -2649,7 +2652,7 @@
             </a:ln>
             <a:extLst>
               <a:ext uri="{91240B29-F687-4f45-9708-019B960494DF}">
-                <a14:hiddenLine xmlns:a14="http://schemas.microsoft.com/office/drawing/2010/main" xmlns="" w="9525">
+                <a14:hiddenLine xmlns="" xmlns:a14="http://schemas.microsoft.com/office/drawing/2010/main" w="9525">
                   <a:solidFill>
                     <a:srgbClr val="000000"/>
                   </a:solidFill>
@@ -2717,7 +2720,7 @@
             </a:ln>
             <a:extLst>
               <a:ext uri="{91240B29-F687-4f45-9708-019B960494DF}">
-                <a14:hiddenLine xmlns:a14="http://schemas.microsoft.com/office/drawing/2010/main" xmlns="" w="9525">
+                <a14:hiddenLine xmlns="" xmlns:a14="http://schemas.microsoft.com/office/drawing/2010/main" w="9525">
                   <a:solidFill>
                     <a:srgbClr val="000000"/>
                   </a:solidFill>
@@ -2779,7 +2782,7 @@
             </a:ln>
             <a:extLst>
               <a:ext uri="{91240B29-F687-4f45-9708-019B960494DF}">
-                <a14:hiddenLine xmlns:a14="http://schemas.microsoft.com/office/drawing/2010/main" xmlns="" w="9525">
+                <a14:hiddenLine xmlns="" xmlns:a14="http://schemas.microsoft.com/office/drawing/2010/main" w="9525">
                   <a:solidFill>
                     <a:srgbClr val="000000"/>
                   </a:solidFill>
@@ -2869,7 +2872,7 @@
             </a:ln>
             <a:extLst>
               <a:ext uri="{91240B29-F687-4f45-9708-019B960494DF}">
-                <a14:hiddenLine xmlns:a14="http://schemas.microsoft.com/office/drawing/2010/main" xmlns="" w="9525">
+                <a14:hiddenLine xmlns="" xmlns:a14="http://schemas.microsoft.com/office/drawing/2010/main" w="9525">
                   <a:solidFill>
                     <a:srgbClr val="000000"/>
                   </a:solidFill>
@@ -2931,7 +2934,7 @@
             </a:ln>
             <a:extLst>
               <a:ext uri="{91240B29-F687-4f45-9708-019B960494DF}">
-                <a14:hiddenLine xmlns:a14="http://schemas.microsoft.com/office/drawing/2010/main" xmlns="" w="9525">
+                <a14:hiddenLine xmlns="" xmlns:a14="http://schemas.microsoft.com/office/drawing/2010/main" w="9525">
                   <a:solidFill>
                     <a:srgbClr val="000000"/>
                   </a:solidFill>
@@ -3021,7 +3024,7 @@
             </a:ln>
             <a:extLst>
               <a:ext uri="{91240B29-F687-4f45-9708-019B960494DF}">
-                <a14:hiddenLine xmlns:a14="http://schemas.microsoft.com/office/drawing/2010/main" xmlns="" w="9525">
+                <a14:hiddenLine xmlns="" xmlns:a14="http://schemas.microsoft.com/office/drawing/2010/main" w="9525">
                   <a:solidFill>
                     <a:srgbClr val="000000"/>
                   </a:solidFill>
@@ -3083,7 +3086,7 @@
             </a:ln>
             <a:extLst>
               <a:ext uri="{91240B29-F687-4f45-9708-019B960494DF}">
-                <a14:hiddenLine xmlns:a14="http://schemas.microsoft.com/office/drawing/2010/main" xmlns="" w="9525">
+                <a14:hiddenLine xmlns="" xmlns:a14="http://schemas.microsoft.com/office/drawing/2010/main" w="9525">
                   <a:solidFill>
                     <a:srgbClr val="000000"/>
                   </a:solidFill>
@@ -3173,7 +3176,7 @@
             </a:ln>
             <a:extLst>
               <a:ext uri="{91240B29-F687-4f45-9708-019B960494DF}">
-                <a14:hiddenLine xmlns:a14="http://schemas.microsoft.com/office/drawing/2010/main" xmlns="" w="9525">
+                <a14:hiddenLine xmlns="" xmlns:a14="http://schemas.microsoft.com/office/drawing/2010/main" w="9525">
                   <a:solidFill>
                     <a:srgbClr val="000000"/>
                   </a:solidFill>
@@ -3207,7 +3210,7 @@
             </a:ln>
             <a:extLst>
               <a:ext uri="{91240B29-F687-4f45-9708-019B960494DF}">
-                <a14:hiddenLine xmlns:a14="http://schemas.microsoft.com/office/drawing/2010/main" xmlns="" w="9525">
+                <a14:hiddenLine xmlns="" xmlns:a14="http://schemas.microsoft.com/office/drawing/2010/main" w="9525">
                   <a:solidFill>
                     <a:srgbClr val="000000"/>
                   </a:solidFill>
@@ -3272,7 +3275,7 @@
             </a:ln>
             <a:extLst>
               <a:ext uri="{91240B29-F687-4f45-9708-019B960494DF}">
-                <a14:hiddenLine xmlns:a14="http://schemas.microsoft.com/office/drawing/2010/main" xmlns="" w="9525">
+                <a14:hiddenLine xmlns="" xmlns:a14="http://schemas.microsoft.com/office/drawing/2010/main" w="9525">
                   <a:solidFill>
                     <a:srgbClr val="000000"/>
                   </a:solidFill>
@@ -3362,7 +3365,7 @@
             </a:ln>
             <a:extLst>
               <a:ext uri="{91240B29-F687-4f45-9708-019B960494DF}">
-                <a14:hiddenLine xmlns:a14="http://schemas.microsoft.com/office/drawing/2010/main" xmlns="" w="9525">
+                <a14:hiddenLine xmlns="" xmlns:a14="http://schemas.microsoft.com/office/drawing/2010/main" w="9525">
                   <a:solidFill>
                     <a:srgbClr val="000000"/>
                   </a:solidFill>
@@ -3424,7 +3427,7 @@
             </a:ln>
             <a:extLst>
               <a:ext uri="{91240B29-F687-4f45-9708-019B960494DF}">
-                <a14:hiddenLine xmlns:a14="http://schemas.microsoft.com/office/drawing/2010/main" xmlns="" w="9525">
+                <a14:hiddenLine xmlns="" xmlns:a14="http://schemas.microsoft.com/office/drawing/2010/main" w="9525">
                   <a:solidFill>
                     <a:srgbClr val="000000"/>
                   </a:solidFill>
@@ -3514,7 +3517,7 @@
             </a:ln>
             <a:extLst>
               <a:ext uri="{91240B29-F687-4f45-9708-019B960494DF}">
-                <a14:hiddenLine xmlns:a14="http://schemas.microsoft.com/office/drawing/2010/main" xmlns="" w="9525">
+                <a14:hiddenLine xmlns="" xmlns:a14="http://schemas.microsoft.com/office/drawing/2010/main" w="9525">
                   <a:solidFill>
                     <a:srgbClr val="000000"/>
                   </a:solidFill>
@@ -3604,7 +3607,7 @@
             </a:ln>
             <a:extLst>
               <a:ext uri="{91240B29-F687-4f45-9708-019B960494DF}">
-                <a14:hiddenLine xmlns:a14="http://schemas.microsoft.com/office/drawing/2010/main" xmlns="" w="9525">
+                <a14:hiddenLine xmlns="" xmlns:a14="http://schemas.microsoft.com/office/drawing/2010/main" w="9525">
                   <a:solidFill>
                     <a:srgbClr val="000000"/>
                   </a:solidFill>
@@ -3669,7 +3672,7 @@
             </a:ln>
             <a:extLst>
               <a:ext uri="{91240B29-F687-4f45-9708-019B960494DF}">
-                <a14:hiddenLine xmlns:a14="http://schemas.microsoft.com/office/drawing/2010/main" xmlns="" w="9525">
+                <a14:hiddenLine xmlns="" xmlns:a14="http://schemas.microsoft.com/office/drawing/2010/main" w="9525">
                   <a:solidFill>
                     <a:srgbClr val="000000"/>
                   </a:solidFill>
@@ -3731,7 +3734,7 @@
             </a:ln>
             <a:extLst>
               <a:ext uri="{91240B29-F687-4f45-9708-019B960494DF}">
-                <a14:hiddenLine xmlns:a14="http://schemas.microsoft.com/office/drawing/2010/main" xmlns="" w="9525">
+                <a14:hiddenLine xmlns="" xmlns:a14="http://schemas.microsoft.com/office/drawing/2010/main" w="9525">
                   <a:solidFill>
                     <a:srgbClr val="000000"/>
                   </a:solidFill>
@@ -3821,7 +3824,7 @@
             </a:ln>
             <a:extLst>
               <a:ext uri="{91240B29-F687-4f45-9708-019B960494DF}">
-                <a14:hiddenLine xmlns:a14="http://schemas.microsoft.com/office/drawing/2010/main" xmlns="" w="9525">
+                <a14:hiddenLine xmlns="" xmlns:a14="http://schemas.microsoft.com/office/drawing/2010/main" w="9525">
                   <a:solidFill>
                     <a:srgbClr val="000000"/>
                   </a:solidFill>
@@ -3911,7 +3914,7 @@
             </a:ln>
             <a:extLst>
               <a:ext uri="{91240B29-F687-4f45-9708-019B960494DF}">
-                <a14:hiddenLine xmlns:a14="http://schemas.microsoft.com/office/drawing/2010/main" xmlns="" w="9525">
+                <a14:hiddenLine xmlns="" xmlns:a14="http://schemas.microsoft.com/office/drawing/2010/main" w="9525">
                   <a:solidFill>
                     <a:srgbClr val="000000"/>
                   </a:solidFill>
@@ -3973,7 +3976,7 @@
             </a:ln>
             <a:extLst>
               <a:ext uri="{91240B29-F687-4f45-9708-019B960494DF}">
-                <a14:hiddenLine xmlns:a14="http://schemas.microsoft.com/office/drawing/2010/main" xmlns="" w="9525">
+                <a14:hiddenLine xmlns="" xmlns:a14="http://schemas.microsoft.com/office/drawing/2010/main" w="9525">
                   <a:solidFill>
                     <a:srgbClr val="000000"/>
                   </a:solidFill>
@@ -4093,7 +4096,7 @@
             </a:ln>
             <a:extLst>
               <a:ext uri="{91240B29-F687-4f45-9708-019B960494DF}">
-                <a14:hiddenLine xmlns:a14="http://schemas.microsoft.com/office/drawing/2010/main" xmlns="" w="9525">
+                <a14:hiddenLine xmlns="" xmlns:a14="http://schemas.microsoft.com/office/drawing/2010/main" w="9525">
                   <a:solidFill>
                     <a:srgbClr val="000000"/>
                   </a:solidFill>
@@ -4161,7 +4164,7 @@
             </a:ln>
             <a:extLst>
               <a:ext uri="{91240B29-F687-4f45-9708-019B960494DF}">
-                <a14:hiddenLine xmlns:a14="http://schemas.microsoft.com/office/drawing/2010/main" xmlns="" w="9525">
+                <a14:hiddenLine xmlns="" xmlns:a14="http://schemas.microsoft.com/office/drawing/2010/main" w="9525">
                   <a:solidFill>
                     <a:srgbClr val="000000"/>
                   </a:solidFill>
@@ -4251,7 +4254,7 @@
             </a:ln>
             <a:extLst>
               <a:ext uri="{91240B29-F687-4f45-9708-019B960494DF}">
-                <a14:hiddenLine xmlns:a14="http://schemas.microsoft.com/office/drawing/2010/main" xmlns="" w="9525">
+                <a14:hiddenLine xmlns="" xmlns:a14="http://schemas.microsoft.com/office/drawing/2010/main" w="9525">
                   <a:solidFill>
                     <a:srgbClr val="000000"/>
                   </a:solidFill>
@@ -9058,7 +9061,7 @@
           <a:noFill/>
           <a:extLst>
             <a:ext uri="{909E8E84-426E-40dd-AFC4-6F175D3DCCD1}">
-              <a14:hiddenFill xmlns:a14="http://schemas.microsoft.com/office/drawing/2010/main" xmlns="">
+              <a14:hiddenFill xmlns="" xmlns:a14="http://schemas.microsoft.com/office/drawing/2010/main">
                 <a:solidFill>
                   <a:srgbClr val="FFFFFF"/>
                 </a:solidFill>
@@ -9132,7 +9135,7 @@
               </a:ln>
               <a:extLst>
                 <a:ext uri="{91240B29-F687-4f45-9708-019B960494DF}">
-                  <a14:hiddenLine xmlns:a14="http://schemas.microsoft.com/office/drawing/2010/main" xmlns="" w="9525">
+                  <a14:hiddenLine xmlns="" xmlns:a14="http://schemas.microsoft.com/office/drawing/2010/main" w="9525">
                     <a:solidFill>
                       <a:srgbClr val="000000"/>
                     </a:solidFill>
@@ -9222,7 +9225,7 @@
               </a:ln>
               <a:extLst>
                 <a:ext uri="{91240B29-F687-4f45-9708-019B960494DF}">
-                  <a14:hiddenLine xmlns:a14="http://schemas.microsoft.com/office/drawing/2010/main" xmlns="" w="9525">
+                  <a14:hiddenLine xmlns="" xmlns:a14="http://schemas.microsoft.com/office/drawing/2010/main" w="9525">
                     <a:solidFill>
                       <a:srgbClr val="000000"/>
                     </a:solidFill>
@@ -9312,7 +9315,7 @@
               </a:ln>
               <a:extLst>
                 <a:ext uri="{91240B29-F687-4f45-9708-019B960494DF}">
-                  <a14:hiddenLine xmlns:a14="http://schemas.microsoft.com/office/drawing/2010/main" xmlns="" w="9525">
+                  <a14:hiddenLine xmlns="" xmlns:a14="http://schemas.microsoft.com/office/drawing/2010/main" w="9525">
                     <a:solidFill>
                       <a:srgbClr val="000000"/>
                     </a:solidFill>
@@ -9374,7 +9377,7 @@
               </a:ln>
               <a:extLst>
                 <a:ext uri="{91240B29-F687-4f45-9708-019B960494DF}">
-                  <a14:hiddenLine xmlns:a14="http://schemas.microsoft.com/office/drawing/2010/main" xmlns="" w="9525">
+                  <a14:hiddenLine xmlns="" xmlns:a14="http://schemas.microsoft.com/office/drawing/2010/main" w="9525">
                     <a:solidFill>
                       <a:srgbClr val="000000"/>
                     </a:solidFill>
@@ -9464,7 +9467,7 @@
               </a:ln>
               <a:extLst>
                 <a:ext uri="{91240B29-F687-4f45-9708-019B960494DF}">
-                  <a14:hiddenLine xmlns:a14="http://schemas.microsoft.com/office/drawing/2010/main" xmlns="" w="9525">
+                  <a14:hiddenLine xmlns="" xmlns:a14="http://schemas.microsoft.com/office/drawing/2010/main" w="9525">
                     <a:solidFill>
                       <a:srgbClr val="000000"/>
                     </a:solidFill>
@@ -9526,7 +9529,7 @@
               </a:ln>
               <a:extLst>
                 <a:ext uri="{91240B29-F687-4f45-9708-019B960494DF}">
-                  <a14:hiddenLine xmlns:a14="http://schemas.microsoft.com/office/drawing/2010/main" xmlns="" w="9525">
+                  <a14:hiddenLine xmlns="" xmlns:a14="http://schemas.microsoft.com/office/drawing/2010/main" w="9525">
                     <a:solidFill>
                       <a:srgbClr val="000000"/>
                     </a:solidFill>
@@ -9588,7 +9591,7 @@
               </a:ln>
               <a:extLst>
                 <a:ext uri="{91240B29-F687-4f45-9708-019B960494DF}">
-                  <a14:hiddenLine xmlns:a14="http://schemas.microsoft.com/office/drawing/2010/main" xmlns="" w="9525">
+                  <a14:hiddenLine xmlns="" xmlns:a14="http://schemas.microsoft.com/office/drawing/2010/main" w="9525">
                     <a:solidFill>
                       <a:srgbClr val="000000"/>
                     </a:solidFill>
@@ -9678,7 +9681,7 @@
               </a:ln>
               <a:extLst>
                 <a:ext uri="{91240B29-F687-4f45-9708-019B960494DF}">
-                  <a14:hiddenLine xmlns:a14="http://schemas.microsoft.com/office/drawing/2010/main" xmlns="" w="9525">
+                  <a14:hiddenLine xmlns="" xmlns:a14="http://schemas.microsoft.com/office/drawing/2010/main" w="9525">
                     <a:solidFill>
                       <a:srgbClr val="000000"/>
                     </a:solidFill>
@@ -9768,7 +9771,7 @@
               </a:ln>
               <a:extLst>
                 <a:ext uri="{91240B29-F687-4f45-9708-019B960494DF}">
-                  <a14:hiddenLine xmlns:a14="http://schemas.microsoft.com/office/drawing/2010/main" xmlns="" w="9525">
+                  <a14:hiddenLine xmlns="" xmlns:a14="http://schemas.microsoft.com/office/drawing/2010/main" w="9525">
                     <a:solidFill>
                       <a:srgbClr val="000000"/>
                     </a:solidFill>
@@ -9830,7 +9833,7 @@
               </a:ln>
               <a:extLst>
                 <a:ext uri="{91240B29-F687-4f45-9708-019B960494DF}">
-                  <a14:hiddenLine xmlns:a14="http://schemas.microsoft.com/office/drawing/2010/main" xmlns="" w="9525">
+                  <a14:hiddenLine xmlns="" xmlns:a14="http://schemas.microsoft.com/office/drawing/2010/main" w="9525">
                     <a:solidFill>
                       <a:srgbClr val="000000"/>
                     </a:solidFill>
@@ -9940,7 +9943,7 @@
               </a:ln>
               <a:extLst>
                 <a:ext uri="{91240B29-F687-4f45-9708-019B960494DF}">
-                  <a14:hiddenLine xmlns:a14="http://schemas.microsoft.com/office/drawing/2010/main" xmlns="" w="9525">
+                  <a14:hiddenLine xmlns="" xmlns:a14="http://schemas.microsoft.com/office/drawing/2010/main" w="9525">
                     <a:solidFill>
                       <a:srgbClr val="000000"/>
                     </a:solidFill>
@@ -10024,7 +10027,7 @@
               </a:ln>
               <a:extLst>
                 <a:ext uri="{91240B29-F687-4f45-9708-019B960494DF}">
-                  <a14:hiddenLine xmlns:a14="http://schemas.microsoft.com/office/drawing/2010/main" xmlns="" w="9525">
+                  <a14:hiddenLine xmlns="" xmlns:a14="http://schemas.microsoft.com/office/drawing/2010/main" w="9525">
                     <a:solidFill>
                       <a:srgbClr val="000000"/>
                     </a:solidFill>
@@ -10086,7 +10089,7 @@
               </a:ln>
               <a:extLst>
                 <a:ext uri="{91240B29-F687-4f45-9708-019B960494DF}">
-                  <a14:hiddenLine xmlns:a14="http://schemas.microsoft.com/office/drawing/2010/main" xmlns="" w="9525">
+                  <a14:hiddenLine xmlns="" xmlns:a14="http://schemas.microsoft.com/office/drawing/2010/main" w="9525">
                     <a:solidFill>
                       <a:srgbClr val="000000"/>
                     </a:solidFill>
@@ -10148,7 +10151,7 @@
               </a:ln>
               <a:extLst>
                 <a:ext uri="{91240B29-F687-4f45-9708-019B960494DF}">
-                  <a14:hiddenLine xmlns:a14="http://schemas.microsoft.com/office/drawing/2010/main" xmlns="" w="9525">
+                  <a14:hiddenLine xmlns="" xmlns:a14="http://schemas.microsoft.com/office/drawing/2010/main" w="9525">
                     <a:solidFill>
                       <a:srgbClr val="000000"/>
                     </a:solidFill>
@@ -10238,7 +10241,7 @@
               </a:ln>
               <a:extLst>
                 <a:ext uri="{91240B29-F687-4f45-9708-019B960494DF}">
-                  <a14:hiddenLine xmlns:a14="http://schemas.microsoft.com/office/drawing/2010/main" xmlns="" w="9525">
+                  <a14:hiddenLine xmlns="" xmlns:a14="http://schemas.microsoft.com/office/drawing/2010/main" w="9525">
                     <a:solidFill>
                       <a:srgbClr val="000000"/>
                     </a:solidFill>
@@ -10272,7 +10275,7 @@
               </a:ln>
               <a:extLst>
                 <a:ext uri="{91240B29-F687-4f45-9708-019B960494DF}">
-                  <a14:hiddenLine xmlns:a14="http://schemas.microsoft.com/office/drawing/2010/main" xmlns="" w="9525">
+                  <a14:hiddenLine xmlns="" xmlns:a14="http://schemas.microsoft.com/office/drawing/2010/main" w="9525">
                     <a:solidFill>
                       <a:srgbClr val="000000"/>
                     </a:solidFill>
@@ -10337,7 +10340,7 @@
               </a:ln>
               <a:extLst>
                 <a:ext uri="{91240B29-F687-4f45-9708-019B960494DF}">
-                  <a14:hiddenLine xmlns:a14="http://schemas.microsoft.com/office/drawing/2010/main" xmlns="" w="9525">
+                  <a14:hiddenLine xmlns="" xmlns:a14="http://schemas.microsoft.com/office/drawing/2010/main" w="9525">
                     <a:solidFill>
                       <a:srgbClr val="000000"/>
                     </a:solidFill>
@@ -10427,7 +10430,7 @@
               </a:ln>
               <a:extLst>
                 <a:ext uri="{91240B29-F687-4f45-9708-019B960494DF}">
-                  <a14:hiddenLine xmlns:a14="http://schemas.microsoft.com/office/drawing/2010/main" xmlns="" w="9525">
+                  <a14:hiddenLine xmlns="" xmlns:a14="http://schemas.microsoft.com/office/drawing/2010/main" w="9525">
                     <a:solidFill>
                       <a:srgbClr val="000000"/>
                     </a:solidFill>
@@ -10489,7 +10492,7 @@
               </a:ln>
               <a:extLst>
                 <a:ext uri="{91240B29-F687-4f45-9708-019B960494DF}">
-                  <a14:hiddenLine xmlns:a14="http://schemas.microsoft.com/office/drawing/2010/main" xmlns="" w="9525">
+                  <a14:hiddenLine xmlns="" xmlns:a14="http://schemas.microsoft.com/office/drawing/2010/main" w="9525">
                     <a:solidFill>
                       <a:srgbClr val="000000"/>
                     </a:solidFill>
@@ -10579,7 +10582,7 @@
               </a:ln>
               <a:extLst>
                 <a:ext uri="{91240B29-F687-4f45-9708-019B960494DF}">
-                  <a14:hiddenLine xmlns:a14="http://schemas.microsoft.com/office/drawing/2010/main" xmlns="" w="9525">
+                  <a14:hiddenLine xmlns="" xmlns:a14="http://schemas.microsoft.com/office/drawing/2010/main" w="9525">
                     <a:solidFill>
                       <a:srgbClr val="000000"/>
                     </a:solidFill>
@@ -10644,7 +10647,7 @@
               </a:ln>
               <a:extLst>
                 <a:ext uri="{91240B29-F687-4f45-9708-019B960494DF}">
-                  <a14:hiddenLine xmlns:a14="http://schemas.microsoft.com/office/drawing/2010/main" xmlns="" w="9525">
+                  <a14:hiddenLine xmlns="" xmlns:a14="http://schemas.microsoft.com/office/drawing/2010/main" w="9525">
                     <a:solidFill>
                       <a:srgbClr val="000000"/>
                     </a:solidFill>
@@ -10706,7 +10709,7 @@
               </a:ln>
               <a:extLst>
                 <a:ext uri="{91240B29-F687-4f45-9708-019B960494DF}">
-                  <a14:hiddenLine xmlns:a14="http://schemas.microsoft.com/office/drawing/2010/main" xmlns="" w="9525">
+                  <a14:hiddenLine xmlns="" xmlns:a14="http://schemas.microsoft.com/office/drawing/2010/main" w="9525">
                     <a:solidFill>
                       <a:srgbClr val="000000"/>
                     </a:solidFill>
@@ -10796,7 +10799,7 @@
               </a:ln>
               <a:extLst>
                 <a:ext uri="{91240B29-F687-4f45-9708-019B960494DF}">
-                  <a14:hiddenLine xmlns:a14="http://schemas.microsoft.com/office/drawing/2010/main" xmlns="" w="9525">
+                  <a14:hiddenLine xmlns="" xmlns:a14="http://schemas.microsoft.com/office/drawing/2010/main" w="9525">
                     <a:solidFill>
                       <a:srgbClr val="000000"/>
                     </a:solidFill>
@@ -10886,7 +10889,7 @@
               </a:ln>
               <a:extLst>
                 <a:ext uri="{91240B29-F687-4f45-9708-019B960494DF}">
-                  <a14:hiddenLine xmlns:a14="http://schemas.microsoft.com/office/drawing/2010/main" xmlns="" w="9525">
+                  <a14:hiddenLine xmlns="" xmlns:a14="http://schemas.microsoft.com/office/drawing/2010/main" w="9525">
                     <a:solidFill>
                       <a:srgbClr val="000000"/>
                     </a:solidFill>
@@ -10951,7 +10954,7 @@
               </a:ln>
               <a:extLst>
                 <a:ext uri="{91240B29-F687-4f45-9708-019B960494DF}">
-                  <a14:hiddenLine xmlns:a14="http://schemas.microsoft.com/office/drawing/2010/main" xmlns="" w="9525">
+                  <a14:hiddenLine xmlns="" xmlns:a14="http://schemas.microsoft.com/office/drawing/2010/main" w="9525">
                     <a:solidFill>
                       <a:srgbClr val="000000"/>
                     </a:solidFill>
@@ -11071,7 +11074,7 @@
               </a:ln>
               <a:extLst>
                 <a:ext uri="{91240B29-F687-4f45-9708-019B960494DF}">
-                  <a14:hiddenLine xmlns:a14="http://schemas.microsoft.com/office/drawing/2010/main" xmlns="" w="9525">
+                  <a14:hiddenLine xmlns="" xmlns:a14="http://schemas.microsoft.com/office/drawing/2010/main" w="9525">
                     <a:solidFill>
                       <a:srgbClr val="000000"/>
                     </a:solidFill>
@@ -11169,7 +11172,7 @@
               </a:ln>
               <a:extLst>
                 <a:ext uri="{91240B29-F687-4f45-9708-019B960494DF}">
-                  <a14:hiddenLine xmlns:a14="http://schemas.microsoft.com/office/drawing/2010/main" xmlns="" w="9525">
+                  <a14:hiddenLine xmlns="" xmlns:a14="http://schemas.microsoft.com/office/drawing/2010/main" w="9525">
                     <a:solidFill>
                       <a:srgbClr val="000000"/>
                     </a:solidFill>
@@ -11284,7 +11287,7 @@
               </a:ln>
               <a:extLst>
                 <a:ext uri="{91240B29-F687-4f45-9708-019B960494DF}">
-                  <a14:hiddenLine xmlns:a14="http://schemas.microsoft.com/office/drawing/2010/main" xmlns="" w="9525">
+                  <a14:hiddenLine xmlns="" xmlns:a14="http://schemas.microsoft.com/office/drawing/2010/main" w="9525">
                     <a:solidFill>
                       <a:srgbClr val="000000"/>
                     </a:solidFill>
@@ -11374,7 +11377,7 @@
               </a:ln>
               <a:extLst>
                 <a:ext uri="{91240B29-F687-4f45-9708-019B960494DF}">
-                  <a14:hiddenLine xmlns:a14="http://schemas.microsoft.com/office/drawing/2010/main" xmlns="" w="9525">
+                  <a14:hiddenLine xmlns="" xmlns:a14="http://schemas.microsoft.com/office/drawing/2010/main" w="9525">
                     <a:solidFill>
                       <a:srgbClr val="000000"/>
                     </a:solidFill>
@@ -11439,7 +11442,7 @@
               </a:ln>
               <a:extLst>
                 <a:ext uri="{91240B29-F687-4f45-9708-019B960494DF}">
-                  <a14:hiddenLine xmlns:a14="http://schemas.microsoft.com/office/drawing/2010/main" xmlns="" w="9525">
+                  <a14:hiddenLine xmlns="" xmlns:a14="http://schemas.microsoft.com/office/drawing/2010/main" w="9525">
                     <a:solidFill>
                       <a:srgbClr val="000000"/>
                     </a:solidFill>
@@ -11529,7 +11532,7 @@
               </a:ln>
               <a:extLst>
                 <a:ext uri="{91240B29-F687-4f45-9708-019B960494DF}">
-                  <a14:hiddenLine xmlns:a14="http://schemas.microsoft.com/office/drawing/2010/main" xmlns="" w="9525">
+                  <a14:hiddenLine xmlns="" xmlns:a14="http://schemas.microsoft.com/office/drawing/2010/main" w="9525">
                     <a:solidFill>
                       <a:srgbClr val="000000"/>
                     </a:solidFill>
@@ -11597,7 +11600,7 @@
               </a:ln>
               <a:extLst>
                 <a:ext uri="{91240B29-F687-4f45-9708-019B960494DF}">
-                  <a14:hiddenLine xmlns:a14="http://schemas.microsoft.com/office/drawing/2010/main" xmlns="" w="9525">
+                  <a14:hiddenLine xmlns="" xmlns:a14="http://schemas.microsoft.com/office/drawing/2010/main" w="9525">
                     <a:solidFill>
                       <a:srgbClr val="000000"/>
                     </a:solidFill>
@@ -11687,7 +11690,7 @@
               </a:ln>
               <a:extLst>
                 <a:ext uri="{91240B29-F687-4f45-9708-019B960494DF}">
-                  <a14:hiddenLine xmlns:a14="http://schemas.microsoft.com/office/drawing/2010/main" xmlns="" w="9525">
+                  <a14:hiddenLine xmlns="" xmlns:a14="http://schemas.microsoft.com/office/drawing/2010/main" w="9525">
                     <a:solidFill>
                       <a:srgbClr val="000000"/>
                     </a:solidFill>
@@ -11755,7 +11758,7 @@
               </a:ln>
               <a:extLst>
                 <a:ext uri="{91240B29-F687-4f45-9708-019B960494DF}">
-                  <a14:hiddenLine xmlns:a14="http://schemas.microsoft.com/office/drawing/2010/main" xmlns="" w="9525">
+                  <a14:hiddenLine xmlns="" xmlns:a14="http://schemas.microsoft.com/office/drawing/2010/main" w="9525">
                     <a:solidFill>
                       <a:srgbClr val="000000"/>
                     </a:solidFill>
@@ -11845,7 +11848,7 @@
               </a:ln>
               <a:extLst>
                 <a:ext uri="{91240B29-F687-4f45-9708-019B960494DF}">
-                  <a14:hiddenLine xmlns:a14="http://schemas.microsoft.com/office/drawing/2010/main" xmlns="" w="9525">
+                  <a14:hiddenLine xmlns="" xmlns:a14="http://schemas.microsoft.com/office/drawing/2010/main" w="9525">
                     <a:solidFill>
                       <a:srgbClr val="000000"/>
                     </a:solidFill>
@@ -11879,7 +11882,7 @@
               </a:ln>
               <a:extLst>
                 <a:ext uri="{91240B29-F687-4f45-9708-019B960494DF}">
-                  <a14:hiddenLine xmlns:a14="http://schemas.microsoft.com/office/drawing/2010/main" xmlns="" w="9525">
+                  <a14:hiddenLine xmlns="" xmlns:a14="http://schemas.microsoft.com/office/drawing/2010/main" w="9525">
                     <a:solidFill>
                       <a:srgbClr val="000000"/>
                     </a:solidFill>
@@ -13389,6 +13392,583 @@
 </p:sld>
 </file>
 
+<file path=ppt/slides/slide5.xml><?xml version="1.0" encoding="utf-8"?>
+<p:sld xmlns:a="http://schemas.openxmlformats.org/drawingml/2006/main" xmlns:r="http://schemas.openxmlformats.org/officeDocument/2006/relationships" xmlns:p="http://schemas.openxmlformats.org/presentationml/2006/main">
+  <p:cSld>
+    <p:spTree>
+      <p:nvGrpSpPr>
+        <p:cNvPr id="1" name=""/>
+        <p:cNvGrpSpPr/>
+        <p:nvPr/>
+      </p:nvGrpSpPr>
+      <p:grpSpPr>
+        <a:xfrm>
+          <a:off x="0" y="0"/>
+          <a:ext cx="0" cy="0"/>
+          <a:chOff x="0" y="0"/>
+          <a:chExt cx="0" cy="0"/>
+        </a:xfrm>
+      </p:grpSpPr>
+      <p:sp>
+        <p:nvSpPr>
+          <p:cNvPr id="2" name="Title 1"/>
+          <p:cNvSpPr>
+            <a:spLocks noGrp="1"/>
+          </p:cNvSpPr>
+          <p:nvPr>
+            <p:ph type="title"/>
+          </p:nvPr>
+        </p:nvSpPr>
+        <p:spPr/>
+        <p:txBody>
+          <a:bodyPr/>
+          <a:lstStyle/>
+          <a:p>
+            <a:r>
+              <a:rPr lang="en-US" dirty="0" err="1"/>
+              <a:t>Nume</a:t>
+            </a:r>
+            <a:r>
+              <a:rPr lang="en-US" dirty="0"/>
+              <a:t> </a:t>
+            </a:r>
+            <a:r>
+              <a:rPr lang="en-US" dirty="0" err="1"/>
+              <a:t>complet</a:t>
+            </a:r>
+            <a:r>
+              <a:rPr lang="en-US" dirty="0"/>
+              <a:t>: </a:t>
+            </a:r>
+            <a:r>
+              <a:rPr lang="en-US" dirty="0" err="1" smtClean="0"/>
+              <a:t>Condurache</a:t>
+            </a:r>
+            <a:r>
+              <a:rPr lang="en-US" dirty="0" smtClean="0"/>
+              <a:t> </a:t>
+            </a:r>
+            <a:r>
+              <a:rPr lang="en-US" dirty="0" err="1" smtClean="0"/>
+              <a:t>vlad</a:t>
+            </a:r>
+            <a:endParaRPr lang="en-US" dirty="0"/>
+          </a:p>
+        </p:txBody>
+      </p:sp>
+      <p:sp>
+        <p:nvSpPr>
+          <p:cNvPr id="3" name="Content Placeholder 2"/>
+          <p:cNvSpPr>
+            <a:spLocks noGrp="1"/>
+          </p:cNvSpPr>
+          <p:nvPr>
+            <p:ph idx="1"/>
+          </p:nvPr>
+        </p:nvSpPr>
+        <p:spPr/>
+        <p:txBody>
+          <a:bodyPr/>
+          <a:lstStyle/>
+          <a:p>
+            <a:r>
+              <a:rPr lang="en-US" dirty="0"/>
+              <a:t>1) Ce a </a:t>
+            </a:r>
+            <a:r>
+              <a:rPr lang="en-US" dirty="0" err="1"/>
+              <a:t>fost</a:t>
+            </a:r>
+            <a:r>
+              <a:rPr lang="en-US" dirty="0"/>
+              <a:t> bine?</a:t>
+            </a:r>
+          </a:p>
+          <a:p>
+            <a:r>
+              <a:rPr lang="en-US" dirty="0"/>
+              <a:t>-</a:t>
+            </a:r>
+            <a:r>
+              <a:rPr lang="ro-RO" dirty="0"/>
+              <a:t>Faptul ca am aflat cum sa ne descurcam cu chestii pe care nu le stiam.</a:t>
+            </a:r>
+            <a:endParaRPr lang="en-US" dirty="0"/>
+          </a:p>
+          <a:p>
+            <a:r>
+              <a:rPr lang="en-US" dirty="0"/>
+              <a:t>2) Ce a </a:t>
+            </a:r>
+            <a:r>
+              <a:rPr lang="en-US" dirty="0" err="1"/>
+              <a:t>fost</a:t>
+            </a:r>
+            <a:r>
+              <a:rPr lang="en-US" dirty="0"/>
+              <a:t> </a:t>
+            </a:r>
+            <a:r>
+              <a:rPr lang="en-US" dirty="0" err="1"/>
+              <a:t>rau</a:t>
+            </a:r>
+            <a:r>
+              <a:rPr lang="en-US" dirty="0"/>
+              <a:t>?</a:t>
+            </a:r>
+          </a:p>
+          <a:p>
+            <a:r>
+              <a:rPr lang="en-US" dirty="0"/>
+              <a:t>-</a:t>
+            </a:r>
+            <a:r>
+              <a:rPr lang="ro-RO" dirty="0"/>
+              <a:t>Chiar daca am reusit oarecum sa ne unim, inca nu am ajuns sa ne acordam timp unul altuia pentru munca in echipa.</a:t>
+            </a:r>
+            <a:endParaRPr lang="en-US" dirty="0"/>
+          </a:p>
+          <a:p>
+            <a:r>
+              <a:rPr lang="en-US" dirty="0" err="1"/>
+              <a:t>Starea</a:t>
+            </a:r>
+            <a:r>
+              <a:rPr lang="en-US" dirty="0"/>
+              <a:t> ta </a:t>
+            </a:r>
+            <a:r>
+              <a:rPr lang="en-US" dirty="0" err="1"/>
+              <a:t>dupa</a:t>
+            </a:r>
+            <a:r>
+              <a:rPr lang="en-US" dirty="0"/>
+              <a:t> </a:t>
+            </a:r>
+            <a:r>
+              <a:rPr lang="en-US" dirty="0" err="1"/>
+              <a:t>aceasta</a:t>
+            </a:r>
+            <a:r>
+              <a:rPr lang="en-US" dirty="0"/>
+              <a:t> </a:t>
+            </a:r>
+            <a:r>
+              <a:rPr lang="en-US" dirty="0" err="1"/>
+              <a:t>iteratie</a:t>
+            </a:r>
+            <a:r>
+              <a:rPr lang="en-US" dirty="0"/>
+              <a:t>: </a:t>
+            </a:r>
+            <a:r>
+              <a:rPr lang="en-US"/>
+              <a:t>happy </a:t>
+            </a:r>
+            <a:r>
+              <a:rPr lang="en-US" smtClean="0">
+                <a:sym typeface="Wingdings" panose="05000000000000000000" pitchFamily="2" charset="2"/>
+              </a:rPr>
+              <a:t></a:t>
+            </a:r>
+            <a:endParaRPr lang="en-US" dirty="0"/>
+          </a:p>
+          <a:p>
+            <a:endParaRPr lang="en-US" dirty="0"/>
+          </a:p>
+        </p:txBody>
+      </p:sp>
+    </p:spTree>
+    <p:extLst>
+      <p:ext uri="{BB962C8B-B14F-4D97-AF65-F5344CB8AC3E}">
+        <p14:creationId xmlns:p14="http://schemas.microsoft.com/office/powerpoint/2010/main" val="3433458313"/>
+      </p:ext>
+    </p:extLst>
+  </p:cSld>
+  <p:clrMapOvr>
+    <a:masterClrMapping/>
+  </p:clrMapOvr>
+</p:sld>
+</file>
+
+<file path=ppt/slides/slide6.xml><?xml version="1.0" encoding="utf-8"?>
+<p:sld xmlns:a="http://schemas.openxmlformats.org/drawingml/2006/main" xmlns:r="http://schemas.openxmlformats.org/officeDocument/2006/relationships" xmlns:p="http://schemas.openxmlformats.org/presentationml/2006/main">
+  <p:cSld>
+    <p:spTree>
+      <p:nvGrpSpPr>
+        <p:cNvPr id="1" name=""/>
+        <p:cNvGrpSpPr/>
+        <p:nvPr/>
+      </p:nvGrpSpPr>
+      <p:grpSpPr>
+        <a:xfrm>
+          <a:off x="0" y="0"/>
+          <a:ext cx="0" cy="0"/>
+          <a:chOff x="0" y="0"/>
+          <a:chExt cx="0" cy="0"/>
+        </a:xfrm>
+      </p:grpSpPr>
+      <p:sp>
+        <p:nvSpPr>
+          <p:cNvPr id="2" name="Title 1"/>
+          <p:cNvSpPr>
+            <a:spLocks noGrp="1"/>
+          </p:cNvSpPr>
+          <p:nvPr>
+            <p:ph type="title"/>
+          </p:nvPr>
+        </p:nvSpPr>
+        <p:spPr/>
+        <p:txBody>
+          <a:bodyPr/>
+          <a:lstStyle/>
+          <a:p>
+            <a:r>
+              <a:rPr lang="en-US" dirty="0" err="1"/>
+              <a:t>Nume</a:t>
+            </a:r>
+            <a:r>
+              <a:rPr lang="en-US" dirty="0"/>
+              <a:t> </a:t>
+            </a:r>
+            <a:r>
+              <a:rPr lang="en-US" dirty="0" err="1"/>
+              <a:t>complet</a:t>
+            </a:r>
+            <a:r>
+              <a:rPr lang="en-US" dirty="0"/>
+              <a:t>:</a:t>
+            </a:r>
+            <a:r>
+              <a:rPr lang="ro-RO" dirty="0"/>
+              <a:t> Asofiei Cristian-Petrica</a:t>
+            </a:r>
+            <a:endParaRPr lang="en-US" dirty="0"/>
+          </a:p>
+        </p:txBody>
+      </p:sp>
+      <p:sp>
+        <p:nvSpPr>
+          <p:cNvPr id="3" name="Content Placeholder 2"/>
+          <p:cNvSpPr>
+            <a:spLocks noGrp="1"/>
+          </p:cNvSpPr>
+          <p:nvPr>
+            <p:ph idx="1"/>
+          </p:nvPr>
+        </p:nvSpPr>
+        <p:spPr/>
+        <p:txBody>
+          <a:bodyPr/>
+          <a:lstStyle/>
+          <a:p>
+            <a:r>
+              <a:rPr lang="en-US" dirty="0"/>
+              <a:t>1) Ce a </a:t>
+            </a:r>
+            <a:r>
+              <a:rPr lang="en-US" dirty="0" err="1"/>
+              <a:t>fost</a:t>
+            </a:r>
+            <a:r>
+              <a:rPr lang="en-US" dirty="0"/>
+              <a:t> bine?</a:t>
+            </a:r>
+          </a:p>
+          <a:p>
+            <a:r>
+              <a:rPr lang="en-US" dirty="0"/>
+              <a:t>-</a:t>
+            </a:r>
+            <a:r>
+              <a:rPr lang="ro-RO" dirty="0"/>
+              <a:t>am reusit sa facem ce ne-am propus</a:t>
+            </a:r>
+            <a:endParaRPr lang="en-US" dirty="0"/>
+          </a:p>
+          <a:p>
+            <a:r>
+              <a:rPr lang="en-US" dirty="0"/>
+              <a:t>2) Ce a </a:t>
+            </a:r>
+            <a:r>
+              <a:rPr lang="en-US" dirty="0" err="1"/>
+              <a:t>fost</a:t>
+            </a:r>
+            <a:r>
+              <a:rPr lang="en-US" dirty="0"/>
+              <a:t> </a:t>
+            </a:r>
+            <a:r>
+              <a:rPr lang="en-US" dirty="0" err="1"/>
+              <a:t>rau</a:t>
+            </a:r>
+            <a:r>
+              <a:rPr lang="en-US" dirty="0"/>
+              <a:t>?</a:t>
+            </a:r>
+          </a:p>
+          <a:p>
+            <a:r>
+              <a:rPr lang="en-US" dirty="0"/>
+              <a:t>-</a:t>
+            </a:r>
+            <a:r>
+              <a:rPr lang="ro-RO" dirty="0"/>
+              <a:t>nu am reusit sa ne organizam destul de bine</a:t>
+            </a:r>
+            <a:endParaRPr lang="en-US" dirty="0"/>
+          </a:p>
+          <a:p>
+            <a:r>
+              <a:rPr lang="en-US" dirty="0" err="1"/>
+              <a:t>Starea</a:t>
+            </a:r>
+            <a:r>
+              <a:rPr lang="en-US" dirty="0"/>
+              <a:t> ta </a:t>
+            </a:r>
+            <a:r>
+              <a:rPr lang="en-US" dirty="0" err="1"/>
+              <a:t>dupa</a:t>
+            </a:r>
+            <a:r>
+              <a:rPr lang="en-US" dirty="0"/>
+              <a:t> </a:t>
+            </a:r>
+            <a:r>
+              <a:rPr lang="en-US" dirty="0" err="1"/>
+              <a:t>aceasta</a:t>
+            </a:r>
+            <a:r>
+              <a:rPr lang="en-US" dirty="0"/>
+              <a:t> </a:t>
+            </a:r>
+            <a:r>
+              <a:rPr lang="en-US" dirty="0" err="1"/>
+              <a:t>iteratie</a:t>
+            </a:r>
+            <a:r>
+              <a:rPr lang="en-US" dirty="0"/>
+              <a:t>: neutral. </a:t>
+            </a:r>
+          </a:p>
+          <a:p>
+            <a:endParaRPr lang="en-US" dirty="0"/>
+          </a:p>
+        </p:txBody>
+      </p:sp>
+    </p:spTree>
+    <p:extLst>
+      <p:ext uri="{BB962C8B-B14F-4D97-AF65-F5344CB8AC3E}">
+        <p14:creationId xmlns:p14="http://schemas.microsoft.com/office/powerpoint/2010/main" val="3316846632"/>
+      </p:ext>
+    </p:extLst>
+  </p:cSld>
+  <p:clrMapOvr>
+    <a:masterClrMapping/>
+  </p:clrMapOvr>
+</p:sld>
+</file>
+
+<file path=ppt/slides/slide7.xml><?xml version="1.0" encoding="utf-8"?>
+<p:sld xmlns:a="http://schemas.openxmlformats.org/drawingml/2006/main" xmlns:r="http://schemas.openxmlformats.org/officeDocument/2006/relationships" xmlns:p="http://schemas.openxmlformats.org/presentationml/2006/main">
+  <p:cSld>
+    <p:spTree>
+      <p:nvGrpSpPr>
+        <p:cNvPr id="1" name=""/>
+        <p:cNvGrpSpPr/>
+        <p:nvPr/>
+      </p:nvGrpSpPr>
+      <p:grpSpPr>
+        <a:xfrm>
+          <a:off x="0" y="0"/>
+          <a:ext cx="0" cy="0"/>
+          <a:chOff x="0" y="0"/>
+          <a:chExt cx="0" cy="0"/>
+        </a:xfrm>
+      </p:grpSpPr>
+      <p:sp>
+        <p:nvSpPr>
+          <p:cNvPr id="2" name="Title 1"/>
+          <p:cNvSpPr>
+            <a:spLocks noGrp="1"/>
+          </p:cNvSpPr>
+          <p:nvPr>
+            <p:ph type="title"/>
+          </p:nvPr>
+        </p:nvSpPr>
+        <p:spPr/>
+        <p:txBody>
+          <a:bodyPr/>
+          <a:lstStyle/>
+          <a:p>
+            <a:r>
+              <a:rPr lang="en-US" dirty="0" err="1"/>
+              <a:t>Nume</a:t>
+            </a:r>
+            <a:r>
+              <a:rPr lang="en-US" dirty="0"/>
+              <a:t> </a:t>
+            </a:r>
+            <a:r>
+              <a:rPr lang="en-US" dirty="0" err="1"/>
+              <a:t>complet</a:t>
+            </a:r>
+            <a:r>
+              <a:rPr lang="en-US" dirty="0"/>
+              <a:t>:</a:t>
+            </a:r>
+            <a:r>
+              <a:rPr lang="ro-RO" dirty="0"/>
+              <a:t> Leustean andrei</a:t>
+            </a:r>
+            <a:endParaRPr lang="en-US" dirty="0"/>
+          </a:p>
+        </p:txBody>
+      </p:sp>
+      <p:sp>
+        <p:nvSpPr>
+          <p:cNvPr id="3" name="Content Placeholder 2"/>
+          <p:cNvSpPr>
+            <a:spLocks noGrp="1"/>
+          </p:cNvSpPr>
+          <p:nvPr>
+            <p:ph idx="1"/>
+          </p:nvPr>
+        </p:nvSpPr>
+        <p:spPr/>
+        <p:txBody>
+          <a:bodyPr/>
+          <a:lstStyle/>
+          <a:p>
+            <a:r>
+              <a:rPr lang="en-US" dirty="0"/>
+              <a:t>1) Ce a </a:t>
+            </a:r>
+            <a:r>
+              <a:rPr lang="en-US" dirty="0" err="1"/>
+              <a:t>fost</a:t>
+            </a:r>
+            <a:r>
+              <a:rPr lang="en-US" dirty="0"/>
+              <a:t> bine?</a:t>
+            </a:r>
+          </a:p>
+          <a:p>
+            <a:r>
+              <a:rPr lang="en-US" dirty="0"/>
+              <a:t>-</a:t>
+            </a:r>
+            <a:r>
+              <a:rPr lang="ro-RO" dirty="0"/>
+              <a:t>Deadline-ul a fost respectat</a:t>
+            </a:r>
+            <a:endParaRPr lang="en-US" dirty="0"/>
+          </a:p>
+          <a:p>
+            <a:r>
+              <a:rPr lang="en-US" dirty="0"/>
+              <a:t>2) Ce a </a:t>
+            </a:r>
+            <a:r>
+              <a:rPr lang="en-US" dirty="0" err="1"/>
+              <a:t>fost</a:t>
+            </a:r>
+            <a:r>
+              <a:rPr lang="en-US" dirty="0"/>
+              <a:t> </a:t>
+            </a:r>
+            <a:r>
+              <a:rPr lang="en-US" dirty="0" err="1"/>
+              <a:t>rau</a:t>
+            </a:r>
+            <a:r>
+              <a:rPr lang="en-US" dirty="0"/>
+              <a:t>?</a:t>
+            </a:r>
+          </a:p>
+          <a:p>
+            <a:r>
+              <a:rPr lang="en-US" dirty="0"/>
+              <a:t>-</a:t>
+            </a:r>
+            <a:r>
+              <a:rPr lang="ro-RO" dirty="0"/>
+              <a:t>Stabilirea intalnirii</a:t>
+            </a:r>
+          </a:p>
+          <a:p>
+            <a:r>
+              <a:rPr lang="ro-RO" dirty="0"/>
+              <a:t>-Lipsa de experienta cu tehnologiile necesare</a:t>
+            </a:r>
+            <a:endParaRPr lang="en-US" dirty="0"/>
+          </a:p>
+          <a:p>
+            <a:r>
+              <a:rPr lang="ro-RO" dirty="0"/>
+              <a:t>3) </a:t>
+            </a:r>
+            <a:r>
+              <a:rPr lang="en-US" dirty="0" err="1"/>
+              <a:t>Starea</a:t>
+            </a:r>
+            <a:r>
+              <a:rPr lang="en-US" dirty="0"/>
+              <a:t> ta </a:t>
+            </a:r>
+            <a:r>
+              <a:rPr lang="en-US" dirty="0" err="1"/>
+              <a:t>dupa</a:t>
+            </a:r>
+            <a:r>
+              <a:rPr lang="en-US" dirty="0"/>
+              <a:t> </a:t>
+            </a:r>
+            <a:r>
+              <a:rPr lang="en-US" dirty="0" err="1"/>
+              <a:t>aceasta</a:t>
+            </a:r>
+            <a:r>
+              <a:rPr lang="en-US" dirty="0"/>
+              <a:t> </a:t>
+            </a:r>
+            <a:r>
+              <a:rPr lang="en-US" dirty="0" err="1"/>
+              <a:t>iteratie</a:t>
+            </a:r>
+            <a:r>
+              <a:rPr lang="en-US" dirty="0"/>
+              <a:t>: </a:t>
+            </a:r>
+            <a:r>
+              <a:rPr lang="ro-RO" dirty="0"/>
+              <a:t>depressed </a:t>
+            </a:r>
+            <a:r>
+              <a:rPr lang="en-US" dirty="0"/>
+              <a:t>/ neutral. </a:t>
+            </a:r>
+          </a:p>
+          <a:p>
+            <a:endParaRPr lang="en-US" dirty="0"/>
+          </a:p>
+        </p:txBody>
+      </p:sp>
+    </p:spTree>
+    <p:extLst>
+      <p:ext uri="{BB962C8B-B14F-4D97-AF65-F5344CB8AC3E}">
+        <p14:creationId xmlns:p14="http://schemas.microsoft.com/office/powerpoint/2010/main" val="3606210272"/>
+      </p:ext>
+    </p:extLst>
+  </p:cSld>
+  <p:clrMapOvr>
+    <a:masterClrMapping/>
+  </p:clrMapOvr>
+</p:sld>
+</file>
+
 <file path=ppt/theme/theme1.xml><?xml version="1.0" encoding="utf-8"?>
 <a:theme xmlns:a="http://schemas.openxmlformats.org/drawingml/2006/main" name="Circuit">
   <a:themeElements>
